--- a/卒業論文本体/Document/GUIEditorOverview.pptx
+++ b/卒業論文本体/Document/GUIEditorOverview.pptx
@@ -104,6 +104,11 @@
       </a:defRPr>
     </a:lvl9pPr>
   </p:defaultTextStyle>
+  <p:extLst>
+    <p:ext uri="{EFAFB233-063F-42B5-8137-9DF3F51BA10A}">
+      <p15:sldGuideLst xmlns:p15="http://schemas.microsoft.com/office/powerpoint/2012/main"/>
+    </p:ext>
+  </p:extLst>
 </p:presentation>
 </file>
 
@@ -3274,14 +3279,1221 @@
         </p:blipFill>
         <p:spPr>
           <a:xfrm>
-            <a:off x="691303" y="821794"/>
-            <a:ext cx="2406875" cy="3040522"/>
+            <a:off x="953980" y="467140"/>
+            <a:ext cx="2862277" cy="3615815"/>
           </a:xfrm>
           <a:prstGeom prst="rect">
             <a:avLst/>
           </a:prstGeom>
         </p:spPr>
       </p:pic>
+      <p:pic>
+        <p:nvPicPr>
+          <p:cNvPr id="2" name="図 1"/>
+          <p:cNvPicPr>
+            <a:picLocks noChangeAspect="1"/>
+          </p:cNvPicPr>
+          <p:nvPr/>
+        </p:nvPicPr>
+        <p:blipFill>
+          <a:blip r:embed="rId3">
+            <a:extLst>
+              <a:ext uri="{28A0092B-C50C-407E-A947-70E740481C1C}">
+                <a14:useLocalDpi xmlns:a14="http://schemas.microsoft.com/office/drawing/2010/main" val="0"/>
+              </a:ext>
+            </a:extLst>
+          </a:blip>
+          <a:stretch>
+            <a:fillRect/>
+          </a:stretch>
+        </p:blipFill>
+        <p:spPr>
+          <a:xfrm>
+            <a:off x="8370067" y="467140"/>
+            <a:ext cx="2742340" cy="3443346"/>
+          </a:xfrm>
+          <a:prstGeom prst="rect">
+            <a:avLst/>
+          </a:prstGeom>
+        </p:spPr>
+      </p:pic>
+      <p:pic>
+        <p:nvPicPr>
+          <p:cNvPr id="3" name="図 2"/>
+          <p:cNvPicPr>
+            <a:picLocks noChangeAspect="1"/>
+          </p:cNvPicPr>
+          <p:nvPr/>
+        </p:nvPicPr>
+        <p:blipFill>
+          <a:blip r:embed="rId4">
+            <a:extLst>
+              <a:ext uri="{28A0092B-C50C-407E-A947-70E740481C1C}">
+                <a14:useLocalDpi xmlns:a14="http://schemas.microsoft.com/office/drawing/2010/main" val="0"/>
+              </a:ext>
+            </a:extLst>
+          </a:blip>
+          <a:stretch>
+            <a:fillRect/>
+          </a:stretch>
+        </p:blipFill>
+        <p:spPr>
+          <a:xfrm>
+            <a:off x="4455909" y="638507"/>
+            <a:ext cx="3522597" cy="2605084"/>
+          </a:xfrm>
+          <a:prstGeom prst="rect">
+            <a:avLst/>
+          </a:prstGeom>
+        </p:spPr>
+      </p:pic>
+      <p:sp>
+        <p:nvSpPr>
+          <p:cNvPr id="5" name="テキスト ボックス 4"/>
+          <p:cNvSpPr txBox="1"/>
+          <p:nvPr/>
+        </p:nvSpPr>
+        <p:spPr>
+          <a:xfrm>
+            <a:off x="1242235" y="97808"/>
+            <a:ext cx="2467522" cy="369332"/>
+          </a:xfrm>
+          <a:prstGeom prst="rect">
+            <a:avLst/>
+          </a:prstGeom>
+          <a:noFill/>
+        </p:spPr>
+        <p:txBody>
+          <a:bodyPr wrap="square" rtlCol="0">
+            <a:spAutoFit/>
+          </a:bodyPr>
+          <a:lstStyle/>
+          <a:p>
+            <a:r>
+              <a:rPr lang="ja-JP" altLang="en-US" b="1" dirty="0"/>
+              <a:t>構成確認</a:t>
+            </a:r>
+            <a:r>
+              <a:rPr lang="ja-JP" altLang="en-US" b="1" dirty="0" smtClean="0"/>
+              <a:t>画面</a:t>
+            </a:r>
+            <a:r>
+              <a:rPr lang="en-US" altLang="ja-JP" b="1" dirty="0" smtClean="0"/>
+              <a:t>(</a:t>
+            </a:r>
+            <a:r>
+              <a:rPr lang="ja-JP" altLang="en-US" b="1" dirty="0" smtClean="0"/>
+              <a:t>起動時</a:t>
+            </a:r>
+            <a:r>
+              <a:rPr lang="en-US" altLang="ja-JP" b="1" dirty="0" smtClean="0"/>
+              <a:t>)</a:t>
+            </a:r>
+            <a:endParaRPr kumimoji="1" lang="ja-JP" altLang="en-US" b="1" dirty="0"/>
+          </a:p>
+        </p:txBody>
+      </p:sp>
+      <p:sp>
+        <p:nvSpPr>
+          <p:cNvPr id="6" name="テキスト ボックス 5"/>
+          <p:cNvSpPr txBox="1"/>
+          <p:nvPr/>
+        </p:nvSpPr>
+        <p:spPr>
+          <a:xfrm>
+            <a:off x="5405167" y="97808"/>
+            <a:ext cx="1624083" cy="369332"/>
+          </a:xfrm>
+          <a:prstGeom prst="rect">
+            <a:avLst/>
+          </a:prstGeom>
+          <a:noFill/>
+        </p:spPr>
+        <p:txBody>
+          <a:bodyPr wrap="square" rtlCol="0">
+            <a:spAutoFit/>
+          </a:bodyPr>
+          <a:lstStyle/>
+          <a:p>
+            <a:r>
+              <a:rPr kumimoji="1" lang="ja-JP" altLang="en-US" b="1" dirty="0" smtClean="0"/>
+              <a:t>詳細設定画面</a:t>
+            </a:r>
+            <a:endParaRPr kumimoji="1" lang="ja-JP" altLang="en-US" b="1" dirty="0"/>
+          </a:p>
+        </p:txBody>
+      </p:sp>
+      <p:sp>
+        <p:nvSpPr>
+          <p:cNvPr id="7" name="テキスト ボックス 6"/>
+          <p:cNvSpPr txBox="1"/>
+          <p:nvPr/>
+        </p:nvSpPr>
+        <p:spPr>
+          <a:xfrm>
+            <a:off x="8685617" y="97808"/>
+            <a:ext cx="2415654" cy="369332"/>
+          </a:xfrm>
+          <a:prstGeom prst="rect">
+            <a:avLst/>
+          </a:prstGeom>
+          <a:noFill/>
+        </p:spPr>
+        <p:txBody>
+          <a:bodyPr wrap="square" rtlCol="0">
+            <a:spAutoFit/>
+          </a:bodyPr>
+          <a:lstStyle/>
+          <a:p>
+            <a:r>
+              <a:rPr lang="ja-JP" altLang="en-US" b="1" dirty="0"/>
+              <a:t>構成確認</a:t>
+            </a:r>
+            <a:r>
+              <a:rPr lang="ja-JP" altLang="en-US" b="1" dirty="0" smtClean="0"/>
+              <a:t>画面</a:t>
+            </a:r>
+            <a:r>
+              <a:rPr lang="en-US" altLang="ja-JP" b="1" dirty="0" smtClean="0"/>
+              <a:t>(</a:t>
+            </a:r>
+            <a:r>
+              <a:rPr lang="ja-JP" altLang="en-US" b="1" dirty="0" smtClean="0"/>
+              <a:t>出力時</a:t>
+            </a:r>
+            <a:r>
+              <a:rPr lang="en-US" altLang="ja-JP" b="1" dirty="0" smtClean="0"/>
+              <a:t>)</a:t>
+            </a:r>
+            <a:endParaRPr kumimoji="1" lang="ja-JP" altLang="en-US" b="1" dirty="0"/>
+          </a:p>
+        </p:txBody>
+      </p:sp>
+      <p:sp>
+        <p:nvSpPr>
+          <p:cNvPr id="8" name="円/楕円 7"/>
+          <p:cNvSpPr/>
+          <p:nvPr/>
+        </p:nvSpPr>
+        <p:spPr>
+          <a:xfrm>
+            <a:off x="2752265" y="3343298"/>
+            <a:ext cx="573206" cy="526245"/>
+          </a:xfrm>
+          <a:prstGeom prst="ellipse">
+            <a:avLst/>
+          </a:prstGeom>
+          <a:noFill/>
+          <a:ln>
+            <a:solidFill>
+              <a:srgbClr val="FF0000"/>
+            </a:solidFill>
+          </a:ln>
+        </p:spPr>
+        <p:style>
+          <a:lnRef idx="2">
+            <a:schemeClr val="accent1">
+              <a:shade val="50000"/>
+            </a:schemeClr>
+          </a:lnRef>
+          <a:fillRef idx="1">
+            <a:schemeClr val="accent1"/>
+          </a:fillRef>
+          <a:effectRef idx="0">
+            <a:schemeClr val="accent1"/>
+          </a:effectRef>
+          <a:fontRef idx="minor">
+            <a:schemeClr val="lt1"/>
+          </a:fontRef>
+        </p:style>
+        <p:txBody>
+          <a:bodyPr rtlCol="0" anchor="ctr"/>
+          <a:lstStyle/>
+          <a:p>
+            <a:pPr algn="ctr"/>
+            <a:endParaRPr kumimoji="1" lang="ja-JP" altLang="en-US"/>
+          </a:p>
+        </p:txBody>
+      </p:sp>
+      <p:cxnSp>
+        <p:nvCxnSpPr>
+          <p:cNvPr id="10" name="直線矢印コネクタ 9"/>
+          <p:cNvCxnSpPr>
+            <a:stCxn id="8" idx="7"/>
+          </p:cNvCxnSpPr>
+          <p:nvPr/>
+        </p:nvCxnSpPr>
+        <p:spPr>
+          <a:xfrm flipV="1">
+            <a:off x="3241527" y="2390227"/>
+            <a:ext cx="1639789" cy="1030138"/>
+          </a:xfrm>
+          <a:prstGeom prst="straightConnector1">
+            <a:avLst/>
+          </a:prstGeom>
+          <a:ln>
+            <a:solidFill>
+              <a:srgbClr val="FF0000"/>
+            </a:solidFill>
+            <a:tailEnd type="triangle"/>
+          </a:ln>
+        </p:spPr>
+        <p:style>
+          <a:lnRef idx="1">
+            <a:schemeClr val="accent1"/>
+          </a:lnRef>
+          <a:fillRef idx="0">
+            <a:schemeClr val="accent1"/>
+          </a:fillRef>
+          <a:effectRef idx="0">
+            <a:schemeClr val="accent1"/>
+          </a:effectRef>
+          <a:fontRef idx="minor">
+            <a:schemeClr val="tx1"/>
+          </a:fontRef>
+        </p:style>
+      </p:cxnSp>
+      <p:sp>
+        <p:nvSpPr>
+          <p:cNvPr id="11" name="角丸四角形 10"/>
+          <p:cNvSpPr/>
+          <p:nvPr/>
+        </p:nvSpPr>
+        <p:spPr>
+          <a:xfrm>
+            <a:off x="4319494" y="97808"/>
+            <a:ext cx="3795431" cy="6719249"/>
+          </a:xfrm>
+          <a:prstGeom prst="roundRect">
+            <a:avLst/>
+          </a:prstGeom>
+          <a:noFill/>
+          <a:ln w="38100"/>
+        </p:spPr>
+        <p:style>
+          <a:lnRef idx="2">
+            <a:schemeClr val="accent1">
+              <a:shade val="50000"/>
+            </a:schemeClr>
+          </a:lnRef>
+          <a:fillRef idx="1">
+            <a:schemeClr val="accent1"/>
+          </a:fillRef>
+          <a:effectRef idx="0">
+            <a:schemeClr val="accent1"/>
+          </a:effectRef>
+          <a:fontRef idx="minor">
+            <a:schemeClr val="lt1"/>
+          </a:fontRef>
+        </p:style>
+        <p:txBody>
+          <a:bodyPr rtlCol="0" anchor="ctr"/>
+          <a:lstStyle/>
+          <a:p>
+            <a:pPr algn="ctr"/>
+            <a:endParaRPr kumimoji="1" lang="ja-JP" altLang="en-US"/>
+          </a:p>
+        </p:txBody>
+      </p:sp>
+      <p:sp>
+        <p:nvSpPr>
+          <p:cNvPr id="15" name="角丸四角形 14"/>
+          <p:cNvSpPr/>
+          <p:nvPr/>
+        </p:nvSpPr>
+        <p:spPr>
+          <a:xfrm>
+            <a:off x="8247546" y="97807"/>
+            <a:ext cx="2994969" cy="6719250"/>
+          </a:xfrm>
+          <a:prstGeom prst="roundRect">
+            <a:avLst/>
+          </a:prstGeom>
+          <a:noFill/>
+          <a:ln w="38100"/>
+        </p:spPr>
+        <p:style>
+          <a:lnRef idx="2">
+            <a:schemeClr val="accent1">
+              <a:shade val="50000"/>
+            </a:schemeClr>
+          </a:lnRef>
+          <a:fillRef idx="1">
+            <a:schemeClr val="accent1"/>
+          </a:fillRef>
+          <a:effectRef idx="0">
+            <a:schemeClr val="accent1"/>
+          </a:effectRef>
+          <a:fontRef idx="minor">
+            <a:schemeClr val="lt1"/>
+          </a:fontRef>
+        </p:style>
+        <p:txBody>
+          <a:bodyPr rtlCol="0" anchor="ctr"/>
+          <a:lstStyle/>
+          <a:p>
+            <a:pPr algn="ctr"/>
+            <a:endParaRPr kumimoji="1" lang="ja-JP" altLang="en-US"/>
+          </a:p>
+        </p:txBody>
+      </p:sp>
+      <p:sp>
+        <p:nvSpPr>
+          <p:cNvPr id="17" name="角丸四角形 16"/>
+          <p:cNvSpPr/>
+          <p:nvPr/>
+        </p:nvSpPr>
+        <p:spPr>
+          <a:xfrm>
+            <a:off x="817232" y="97807"/>
+            <a:ext cx="3369641" cy="6719250"/>
+          </a:xfrm>
+          <a:prstGeom prst="roundRect">
+            <a:avLst/>
+          </a:prstGeom>
+          <a:noFill/>
+          <a:ln w="38100"/>
+        </p:spPr>
+        <p:style>
+          <a:lnRef idx="2">
+            <a:schemeClr val="accent1">
+              <a:shade val="50000"/>
+            </a:schemeClr>
+          </a:lnRef>
+          <a:fillRef idx="1">
+            <a:schemeClr val="accent1"/>
+          </a:fillRef>
+          <a:effectRef idx="0">
+            <a:schemeClr val="accent1"/>
+          </a:effectRef>
+          <a:fontRef idx="minor">
+            <a:schemeClr val="lt1"/>
+          </a:fontRef>
+        </p:style>
+        <p:txBody>
+          <a:bodyPr rtlCol="0" anchor="ctr"/>
+          <a:lstStyle/>
+          <a:p>
+            <a:pPr algn="ctr"/>
+            <a:endParaRPr kumimoji="1" lang="ja-JP" altLang="en-US"/>
+          </a:p>
+        </p:txBody>
+      </p:sp>
+      <p:sp>
+        <p:nvSpPr>
+          <p:cNvPr id="18" name="円/楕円 17"/>
+          <p:cNvSpPr/>
+          <p:nvPr/>
+        </p:nvSpPr>
+        <p:spPr>
+          <a:xfrm>
+            <a:off x="6762226" y="2637177"/>
+            <a:ext cx="534048" cy="526798"/>
+          </a:xfrm>
+          <a:prstGeom prst="ellipse">
+            <a:avLst/>
+          </a:prstGeom>
+          <a:noFill/>
+          <a:ln>
+            <a:solidFill>
+              <a:srgbClr val="FF0000"/>
+            </a:solidFill>
+          </a:ln>
+        </p:spPr>
+        <p:style>
+          <a:lnRef idx="2">
+            <a:schemeClr val="accent1">
+              <a:shade val="50000"/>
+            </a:schemeClr>
+          </a:lnRef>
+          <a:fillRef idx="1">
+            <a:schemeClr val="accent1"/>
+          </a:fillRef>
+          <a:effectRef idx="0">
+            <a:schemeClr val="accent1"/>
+          </a:effectRef>
+          <a:fontRef idx="minor">
+            <a:schemeClr val="lt1"/>
+          </a:fontRef>
+        </p:style>
+        <p:txBody>
+          <a:bodyPr rtlCol="0" anchor="ctr"/>
+          <a:lstStyle/>
+          <a:p>
+            <a:pPr algn="ctr"/>
+            <a:endParaRPr kumimoji="1" lang="ja-JP" altLang="en-US"/>
+          </a:p>
+        </p:txBody>
+      </p:sp>
+      <p:cxnSp>
+        <p:nvCxnSpPr>
+          <p:cNvPr id="19" name="直線矢印コネクタ 18"/>
+          <p:cNvCxnSpPr>
+            <a:stCxn id="18" idx="7"/>
+          </p:cNvCxnSpPr>
+          <p:nvPr/>
+        </p:nvCxnSpPr>
+        <p:spPr>
+          <a:xfrm flipV="1">
+            <a:off x="7218064" y="2022648"/>
+            <a:ext cx="2085921" cy="691677"/>
+          </a:xfrm>
+          <a:prstGeom prst="straightConnector1">
+            <a:avLst/>
+          </a:prstGeom>
+          <a:ln>
+            <a:solidFill>
+              <a:srgbClr val="FF0000"/>
+            </a:solidFill>
+            <a:tailEnd type="triangle"/>
+          </a:ln>
+        </p:spPr>
+        <p:style>
+          <a:lnRef idx="1">
+            <a:schemeClr val="accent1"/>
+          </a:lnRef>
+          <a:fillRef idx="0">
+            <a:schemeClr val="accent1"/>
+          </a:fillRef>
+          <a:effectRef idx="0">
+            <a:schemeClr val="accent1"/>
+          </a:effectRef>
+          <a:fontRef idx="minor">
+            <a:schemeClr val="tx1"/>
+          </a:fontRef>
+        </p:style>
+      </p:cxnSp>
+      <p:sp>
+        <p:nvSpPr>
+          <p:cNvPr id="23" name="テキスト ボックス 22"/>
+          <p:cNvSpPr txBox="1"/>
+          <p:nvPr/>
+        </p:nvSpPr>
+        <p:spPr>
+          <a:xfrm>
+            <a:off x="1302288" y="4229584"/>
+            <a:ext cx="2347415" cy="369332"/>
+          </a:xfrm>
+          <a:prstGeom prst="rect">
+            <a:avLst/>
+          </a:prstGeom>
+          <a:noFill/>
+        </p:spPr>
+        <p:txBody>
+          <a:bodyPr wrap="square" rtlCol="0">
+            <a:spAutoFit/>
+          </a:bodyPr>
+          <a:lstStyle/>
+          <a:p>
+            <a:r>
+              <a:rPr kumimoji="1" lang="ja-JP" altLang="en-US" b="1" dirty="0" smtClean="0">
+                <a:solidFill>
+                  <a:srgbClr val="FF0000"/>
+                </a:solidFill>
+              </a:rPr>
+              <a:t>仮想環境の構築開始</a:t>
+            </a:r>
+            <a:endParaRPr kumimoji="1" lang="ja-JP" altLang="en-US" b="1" dirty="0">
+              <a:solidFill>
+                <a:srgbClr val="FF0000"/>
+              </a:solidFill>
+            </a:endParaRPr>
+          </a:p>
+        </p:txBody>
+      </p:sp>
+      <p:sp>
+        <p:nvSpPr>
+          <p:cNvPr id="24" name="テキスト ボックス 23"/>
+          <p:cNvSpPr txBox="1"/>
+          <p:nvPr/>
+        </p:nvSpPr>
+        <p:spPr>
+          <a:xfrm>
+            <a:off x="4319494" y="3283514"/>
+            <a:ext cx="2258727" cy="366872"/>
+          </a:xfrm>
+          <a:prstGeom prst="rect">
+            <a:avLst/>
+          </a:prstGeom>
+          <a:noFill/>
+        </p:spPr>
+        <p:txBody>
+          <a:bodyPr wrap="square" rtlCol="0">
+            <a:spAutoFit/>
+          </a:bodyPr>
+          <a:lstStyle/>
+          <a:p>
+            <a:r>
+              <a:rPr kumimoji="1" lang="ja-JP" altLang="en-US" b="1" dirty="0" smtClean="0">
+                <a:solidFill>
+                  <a:srgbClr val="FF0000"/>
+                </a:solidFill>
+              </a:rPr>
+              <a:t>構築内容詳細を入力</a:t>
+            </a:r>
+            <a:endParaRPr kumimoji="1" lang="ja-JP" altLang="en-US" b="1" dirty="0">
+              <a:solidFill>
+                <a:srgbClr val="FF0000"/>
+              </a:solidFill>
+            </a:endParaRPr>
+          </a:p>
+        </p:txBody>
+      </p:sp>
+      <p:sp>
+        <p:nvSpPr>
+          <p:cNvPr id="25" name="テキスト ボックス 24"/>
+          <p:cNvSpPr txBox="1"/>
+          <p:nvPr/>
+        </p:nvSpPr>
+        <p:spPr>
+          <a:xfrm>
+            <a:off x="8247546" y="3917011"/>
+            <a:ext cx="2347415" cy="646331"/>
+          </a:xfrm>
+          <a:prstGeom prst="rect">
+            <a:avLst/>
+          </a:prstGeom>
+          <a:noFill/>
+        </p:spPr>
+        <p:txBody>
+          <a:bodyPr wrap="square" rtlCol="0">
+            <a:spAutoFit/>
+          </a:bodyPr>
+          <a:lstStyle/>
+          <a:p>
+            <a:pPr algn="ctr"/>
+            <a:r>
+              <a:rPr lang="ja-JP" altLang="en-US" b="1" dirty="0" smtClean="0">
+                <a:solidFill>
+                  <a:srgbClr val="FF0000"/>
+                </a:solidFill>
+              </a:rPr>
+              <a:t>構築内容を</a:t>
+            </a:r>
+            <a:r>
+              <a:rPr lang="en-US" altLang="ja-JP" b="1" dirty="0" smtClean="0">
+                <a:solidFill>
+                  <a:srgbClr val="FF0000"/>
+                </a:solidFill>
+              </a:rPr>
+              <a:t>GUI</a:t>
+            </a:r>
+            <a:r>
+              <a:rPr lang="ja-JP" altLang="en-US" b="1" dirty="0" smtClean="0">
+                <a:solidFill>
+                  <a:srgbClr val="FF0000"/>
+                </a:solidFill>
+              </a:rPr>
+              <a:t>で</a:t>
+            </a:r>
+            <a:endParaRPr lang="en-US" altLang="ja-JP" b="1" dirty="0" smtClean="0">
+              <a:solidFill>
+                <a:srgbClr val="FF0000"/>
+              </a:solidFill>
+            </a:endParaRPr>
+          </a:p>
+          <a:p>
+            <a:pPr algn="ctr"/>
+            <a:r>
+              <a:rPr lang="ja-JP" altLang="en-US" b="1" dirty="0" smtClean="0">
+                <a:solidFill>
+                  <a:srgbClr val="FF0000"/>
+                </a:solidFill>
+              </a:rPr>
+              <a:t>確認後、出力</a:t>
+            </a:r>
+            <a:endParaRPr kumimoji="1" lang="ja-JP" altLang="en-US" b="1" dirty="0">
+              <a:solidFill>
+                <a:srgbClr val="FF0000"/>
+              </a:solidFill>
+            </a:endParaRPr>
+          </a:p>
+        </p:txBody>
+      </p:sp>
+      <p:sp>
+        <p:nvSpPr>
+          <p:cNvPr id="27" name="下矢印 26"/>
+          <p:cNvSpPr/>
+          <p:nvPr/>
+        </p:nvSpPr>
+        <p:spPr>
+          <a:xfrm rot="2962454">
+            <a:off x="6280292" y="3153708"/>
+            <a:ext cx="205469" cy="1526607"/>
+          </a:xfrm>
+          <a:prstGeom prst="downArrow">
+            <a:avLst/>
+          </a:prstGeom>
+          <a:solidFill>
+            <a:schemeClr val="accent2"/>
+          </a:solidFill>
+          <a:ln>
+            <a:solidFill>
+              <a:schemeClr val="accent2"/>
+            </a:solidFill>
+          </a:ln>
+        </p:spPr>
+        <p:style>
+          <a:lnRef idx="2">
+            <a:schemeClr val="accent1">
+              <a:shade val="50000"/>
+            </a:schemeClr>
+          </a:lnRef>
+          <a:fillRef idx="1">
+            <a:schemeClr val="accent1"/>
+          </a:fillRef>
+          <a:effectRef idx="0">
+            <a:schemeClr val="accent1"/>
+          </a:effectRef>
+          <a:fontRef idx="minor">
+            <a:schemeClr val="lt1"/>
+          </a:fontRef>
+        </p:style>
+        <p:txBody>
+          <a:bodyPr rtlCol="0" anchor="ctr"/>
+          <a:lstStyle/>
+          <a:p>
+            <a:pPr algn="ctr"/>
+            <a:endParaRPr kumimoji="1" lang="ja-JP" altLang="en-US"/>
+          </a:p>
+        </p:txBody>
+      </p:sp>
+      <p:sp>
+        <p:nvSpPr>
+          <p:cNvPr id="28" name="フローチャート: カード 27"/>
+          <p:cNvSpPr/>
+          <p:nvPr/>
+        </p:nvSpPr>
+        <p:spPr>
+          <a:xfrm>
+            <a:off x="5991288" y="4612793"/>
+            <a:ext cx="1763696" cy="937057"/>
+          </a:xfrm>
+          <a:prstGeom prst="flowChartPunchedCard">
+            <a:avLst/>
+          </a:prstGeom>
+          <a:solidFill>
+            <a:schemeClr val="bg1"/>
+          </a:solidFill>
+          <a:ln>
+            <a:solidFill>
+              <a:schemeClr val="tx1"/>
+            </a:solidFill>
+          </a:ln>
+        </p:spPr>
+        <p:style>
+          <a:lnRef idx="2">
+            <a:schemeClr val="accent1">
+              <a:shade val="50000"/>
+            </a:schemeClr>
+          </a:lnRef>
+          <a:fillRef idx="1">
+            <a:schemeClr val="accent1"/>
+          </a:fillRef>
+          <a:effectRef idx="0">
+            <a:schemeClr val="accent1"/>
+          </a:effectRef>
+          <a:fontRef idx="minor">
+            <a:schemeClr val="lt1"/>
+          </a:fontRef>
+        </p:style>
+        <p:txBody>
+          <a:bodyPr rtlCol="0" anchor="ctr"/>
+          <a:lstStyle/>
+          <a:p>
+            <a:pPr algn="ctr"/>
+            <a:r>
+              <a:rPr lang="ja-JP" altLang="en-US" dirty="0" smtClean="0">
+                <a:solidFill>
+                  <a:sysClr val="windowText" lastClr="000000"/>
+                </a:solidFill>
+              </a:rPr>
+              <a:t>データ保管用</a:t>
+            </a:r>
+            <a:r>
+              <a:rPr lang="en-US" altLang="ja-JP" dirty="0" smtClean="0">
+                <a:solidFill>
+                  <a:sysClr val="windowText" lastClr="000000"/>
+                </a:solidFill>
+              </a:rPr>
+              <a:t>class</a:t>
+            </a:r>
+            <a:endParaRPr kumimoji="1" lang="ja-JP" altLang="en-US" dirty="0">
+              <a:solidFill>
+                <a:sysClr val="windowText" lastClr="000000"/>
+              </a:solidFill>
+            </a:endParaRPr>
+          </a:p>
+        </p:txBody>
+      </p:sp>
+      <p:sp>
+        <p:nvSpPr>
+          <p:cNvPr id="29" name="フローチャート: カード 28"/>
+          <p:cNvSpPr/>
+          <p:nvPr/>
+        </p:nvSpPr>
+        <p:spPr>
+          <a:xfrm>
+            <a:off x="6143688" y="4765193"/>
+            <a:ext cx="1763696" cy="937057"/>
+          </a:xfrm>
+          <a:prstGeom prst="flowChartPunchedCard">
+            <a:avLst/>
+          </a:prstGeom>
+          <a:solidFill>
+            <a:schemeClr val="bg1"/>
+          </a:solidFill>
+          <a:ln>
+            <a:solidFill>
+              <a:schemeClr val="tx1"/>
+            </a:solidFill>
+          </a:ln>
+        </p:spPr>
+        <p:style>
+          <a:lnRef idx="2">
+            <a:schemeClr val="accent1">
+              <a:shade val="50000"/>
+            </a:schemeClr>
+          </a:lnRef>
+          <a:fillRef idx="1">
+            <a:schemeClr val="accent1"/>
+          </a:fillRef>
+          <a:effectRef idx="0">
+            <a:schemeClr val="accent1"/>
+          </a:effectRef>
+          <a:fontRef idx="minor">
+            <a:schemeClr val="lt1"/>
+          </a:fontRef>
+        </p:style>
+        <p:txBody>
+          <a:bodyPr rtlCol="0" anchor="ctr"/>
+          <a:lstStyle/>
+          <a:p>
+            <a:pPr algn="ctr"/>
+            <a:r>
+              <a:rPr lang="ja-JP" altLang="en-US" dirty="0" smtClean="0">
+                <a:solidFill>
+                  <a:sysClr val="windowText" lastClr="000000"/>
+                </a:solidFill>
+              </a:rPr>
+              <a:t>データ保管用</a:t>
+            </a:r>
+            <a:r>
+              <a:rPr lang="en-US" altLang="ja-JP" dirty="0" smtClean="0">
+                <a:solidFill>
+                  <a:sysClr val="windowText" lastClr="000000"/>
+                </a:solidFill>
+              </a:rPr>
+              <a:t>class</a:t>
+            </a:r>
+            <a:endParaRPr kumimoji="1" lang="ja-JP" altLang="en-US" dirty="0">
+              <a:solidFill>
+                <a:sysClr val="windowText" lastClr="000000"/>
+              </a:solidFill>
+            </a:endParaRPr>
+          </a:p>
+        </p:txBody>
+      </p:sp>
+      <p:sp>
+        <p:nvSpPr>
+          <p:cNvPr id="30" name="フローチャート: カード 29"/>
+          <p:cNvSpPr/>
+          <p:nvPr/>
+        </p:nvSpPr>
+        <p:spPr>
+          <a:xfrm>
+            <a:off x="6296088" y="4917593"/>
+            <a:ext cx="1763696" cy="937057"/>
+          </a:xfrm>
+          <a:prstGeom prst="flowChartPunchedCard">
+            <a:avLst/>
+          </a:prstGeom>
+          <a:solidFill>
+            <a:schemeClr val="bg1"/>
+          </a:solidFill>
+          <a:ln>
+            <a:solidFill>
+              <a:schemeClr val="tx1"/>
+            </a:solidFill>
+          </a:ln>
+        </p:spPr>
+        <p:style>
+          <a:lnRef idx="2">
+            <a:schemeClr val="accent1">
+              <a:shade val="50000"/>
+            </a:schemeClr>
+          </a:lnRef>
+          <a:fillRef idx="1">
+            <a:schemeClr val="accent1"/>
+          </a:fillRef>
+          <a:effectRef idx="0">
+            <a:schemeClr val="accent1"/>
+          </a:effectRef>
+          <a:fontRef idx="minor">
+            <a:schemeClr val="lt1"/>
+          </a:fontRef>
+        </p:style>
+        <p:txBody>
+          <a:bodyPr rtlCol="0" anchor="ctr"/>
+          <a:lstStyle/>
+          <a:p>
+            <a:pPr algn="ctr"/>
+            <a:r>
+              <a:rPr lang="ja-JP" altLang="en-US" dirty="0" smtClean="0">
+                <a:solidFill>
+                  <a:sysClr val="windowText" lastClr="000000"/>
+                </a:solidFill>
+              </a:rPr>
+              <a:t>データ保管用</a:t>
+            </a:r>
+            <a:r>
+              <a:rPr lang="en-US" altLang="ja-JP" dirty="0" smtClean="0">
+                <a:solidFill>
+                  <a:sysClr val="windowText" lastClr="000000"/>
+                </a:solidFill>
+              </a:rPr>
+              <a:t>class</a:t>
+            </a:r>
+            <a:endParaRPr kumimoji="1" lang="ja-JP" altLang="en-US" dirty="0">
+              <a:solidFill>
+                <a:sysClr val="windowText" lastClr="000000"/>
+              </a:solidFill>
+            </a:endParaRPr>
+          </a:p>
+        </p:txBody>
+      </p:sp>
+      <p:sp>
+        <p:nvSpPr>
+          <p:cNvPr id="31" name="円/楕円 30"/>
+          <p:cNvSpPr/>
+          <p:nvPr/>
+        </p:nvSpPr>
+        <p:spPr>
+          <a:xfrm>
+            <a:off x="4339273" y="4598916"/>
+            <a:ext cx="1397530" cy="1241857"/>
+          </a:xfrm>
+          <a:prstGeom prst="ellipse">
+            <a:avLst/>
+          </a:prstGeom>
+          <a:noFill/>
+          <a:ln>
+            <a:solidFill>
+              <a:srgbClr val="00B0F0"/>
+            </a:solidFill>
+          </a:ln>
+        </p:spPr>
+        <p:style>
+          <a:lnRef idx="2">
+            <a:schemeClr val="accent1">
+              <a:shade val="50000"/>
+            </a:schemeClr>
+          </a:lnRef>
+          <a:fillRef idx="1">
+            <a:schemeClr val="accent1"/>
+          </a:fillRef>
+          <a:effectRef idx="0">
+            <a:schemeClr val="accent1"/>
+          </a:effectRef>
+          <a:fontRef idx="minor">
+            <a:schemeClr val="lt1"/>
+          </a:fontRef>
+        </p:style>
+        <p:txBody>
+          <a:bodyPr rtlCol="0" anchor="ctr"/>
+          <a:lstStyle/>
+          <a:p>
+            <a:pPr algn="ctr"/>
+            <a:r>
+              <a:rPr kumimoji="1" lang="ja-JP" altLang="en-US" sz="1200" dirty="0" smtClean="0">
+                <a:solidFill>
+                  <a:schemeClr val="tx1"/>
+                </a:solidFill>
+              </a:rPr>
+              <a:t>入力されたデータ</a:t>
+            </a:r>
+            <a:endParaRPr kumimoji="1" lang="ja-JP" altLang="en-US" sz="1200" dirty="0">
+              <a:solidFill>
+                <a:schemeClr val="tx1"/>
+              </a:solidFill>
+            </a:endParaRPr>
+          </a:p>
+        </p:txBody>
+      </p:sp>
+      <p:cxnSp>
+        <p:nvCxnSpPr>
+          <p:cNvPr id="37" name="直線矢印コネクタ 36"/>
+          <p:cNvCxnSpPr/>
+          <p:nvPr/>
+        </p:nvCxnSpPr>
+        <p:spPr>
+          <a:xfrm>
+            <a:off x="5448857" y="5219844"/>
+            <a:ext cx="1129364" cy="0"/>
+          </a:xfrm>
+          <a:prstGeom prst="straightConnector1">
+            <a:avLst/>
+          </a:prstGeom>
+          <a:ln>
+            <a:tailEnd type="triangle"/>
+          </a:ln>
+        </p:spPr>
+        <p:style>
+          <a:lnRef idx="1">
+            <a:schemeClr val="accent1"/>
+          </a:lnRef>
+          <a:fillRef idx="0">
+            <a:schemeClr val="accent1"/>
+          </a:fillRef>
+          <a:effectRef idx="0">
+            <a:schemeClr val="accent1"/>
+          </a:effectRef>
+          <a:fontRef idx="minor">
+            <a:schemeClr val="tx1"/>
+          </a:fontRef>
+        </p:style>
+      </p:cxnSp>
+      <p:sp>
+        <p:nvSpPr>
+          <p:cNvPr id="38" name="テキスト ボックス 37"/>
+          <p:cNvSpPr txBox="1"/>
+          <p:nvPr/>
+        </p:nvSpPr>
+        <p:spPr>
+          <a:xfrm>
+            <a:off x="5407022" y="6013586"/>
+            <a:ext cx="1620369" cy="369332"/>
+          </a:xfrm>
+          <a:prstGeom prst="rect">
+            <a:avLst/>
+          </a:prstGeom>
+          <a:noFill/>
+        </p:spPr>
+        <p:txBody>
+          <a:bodyPr wrap="square" rtlCol="0">
+            <a:spAutoFit/>
+          </a:bodyPr>
+          <a:lstStyle/>
+          <a:p>
+            <a:r>
+              <a:rPr kumimoji="1" lang="en-US" altLang="ja-JP" dirty="0" smtClean="0"/>
+              <a:t>Class</a:t>
+            </a:r>
+            <a:r>
+              <a:rPr kumimoji="1" lang="ja-JP" altLang="en-US" dirty="0" smtClean="0"/>
+              <a:t>へ保管</a:t>
+            </a:r>
+            <a:endParaRPr kumimoji="1" lang="ja-JP" altLang="en-US" dirty="0"/>
+          </a:p>
+        </p:txBody>
+      </p:sp>
+      <p:cxnSp>
+        <p:nvCxnSpPr>
+          <p:cNvPr id="40" name="直線矢印コネクタ 39"/>
+          <p:cNvCxnSpPr/>
+          <p:nvPr/>
+        </p:nvCxnSpPr>
+        <p:spPr>
+          <a:xfrm flipV="1">
+            <a:off x="7978506" y="5233721"/>
+            <a:ext cx="1261028" cy="6400"/>
+          </a:xfrm>
+          <a:prstGeom prst="straightConnector1">
+            <a:avLst/>
+          </a:prstGeom>
+          <a:ln>
+            <a:tailEnd type="triangle"/>
+          </a:ln>
+        </p:spPr>
+        <p:style>
+          <a:lnRef idx="1">
+            <a:schemeClr val="accent1"/>
+          </a:lnRef>
+          <a:fillRef idx="0">
+            <a:schemeClr val="accent1"/>
+          </a:fillRef>
+          <a:effectRef idx="0">
+            <a:schemeClr val="accent1"/>
+          </a:effectRef>
+          <a:fontRef idx="minor">
+            <a:schemeClr val="tx1"/>
+          </a:fontRef>
+        </p:style>
+      </p:cxnSp>
+      <p:sp>
+        <p:nvSpPr>
+          <p:cNvPr id="42" name="フローチャート: カード 41"/>
+          <p:cNvSpPr/>
+          <p:nvPr/>
+        </p:nvSpPr>
+        <p:spPr>
+          <a:xfrm>
+            <a:off x="9372155" y="4477823"/>
+            <a:ext cx="1763696" cy="1905095"/>
+          </a:xfrm>
+          <a:prstGeom prst="flowChartPunchedCard">
+            <a:avLst/>
+          </a:prstGeom>
+          <a:solidFill>
+            <a:schemeClr val="bg1"/>
+          </a:solidFill>
+          <a:ln>
+            <a:solidFill>
+              <a:schemeClr val="tx1"/>
+            </a:solidFill>
+          </a:ln>
+        </p:spPr>
+        <p:style>
+          <a:lnRef idx="2">
+            <a:schemeClr val="accent1">
+              <a:shade val="50000"/>
+            </a:schemeClr>
+          </a:lnRef>
+          <a:fillRef idx="1">
+            <a:schemeClr val="accent1"/>
+          </a:fillRef>
+          <a:effectRef idx="0">
+            <a:schemeClr val="accent1"/>
+          </a:effectRef>
+          <a:fontRef idx="minor">
+            <a:schemeClr val="lt1"/>
+          </a:fontRef>
+        </p:style>
+        <p:txBody>
+          <a:bodyPr rtlCol="0" anchor="ctr"/>
+          <a:lstStyle/>
+          <a:p>
+            <a:pPr algn="ctr"/>
+            <a:r>
+              <a:rPr kumimoji="1" lang="ja-JP" altLang="en-US" sz="1400" dirty="0" smtClean="0">
+                <a:solidFill>
+                  <a:sysClr val="windowText" lastClr="000000"/>
+                </a:solidFill>
+              </a:rPr>
+              <a:t>テンプレートファイル</a:t>
+            </a:r>
+            <a:endParaRPr kumimoji="1" lang="ja-JP" altLang="en-US" sz="1400" dirty="0">
+              <a:solidFill>
+                <a:sysClr val="windowText" lastClr="000000"/>
+              </a:solidFill>
+            </a:endParaRPr>
+          </a:p>
+        </p:txBody>
+      </p:sp>
+      <p:sp>
+        <p:nvSpPr>
+          <p:cNvPr id="43" name="テキスト ボックス 42"/>
+          <p:cNvSpPr txBox="1"/>
+          <p:nvPr/>
+        </p:nvSpPr>
+        <p:spPr>
+          <a:xfrm>
+            <a:off x="8434518" y="5304363"/>
+            <a:ext cx="869467" cy="369332"/>
+          </a:xfrm>
+          <a:prstGeom prst="rect">
+            <a:avLst/>
+          </a:prstGeom>
+          <a:noFill/>
+        </p:spPr>
+        <p:txBody>
+          <a:bodyPr wrap="square" rtlCol="0">
+            <a:spAutoFit/>
+          </a:bodyPr>
+          <a:lstStyle/>
+          <a:p>
+            <a:r>
+              <a:rPr kumimoji="1" lang="ja-JP" altLang="en-US" dirty="0" smtClean="0"/>
+              <a:t>出力</a:t>
+            </a:r>
+            <a:endParaRPr kumimoji="1" lang="ja-JP" altLang="en-US" dirty="0"/>
+          </a:p>
+        </p:txBody>
+      </p:sp>
+      <p:sp>
+        <p:nvSpPr>
+          <p:cNvPr id="44" name="円/楕円 43"/>
+          <p:cNvSpPr/>
+          <p:nvPr/>
+        </p:nvSpPr>
+        <p:spPr>
+          <a:xfrm>
+            <a:off x="10094905" y="3454798"/>
+            <a:ext cx="980925" cy="526798"/>
+          </a:xfrm>
+          <a:prstGeom prst="ellipse">
+            <a:avLst/>
+          </a:prstGeom>
+          <a:noFill/>
+          <a:ln>
+            <a:solidFill>
+              <a:srgbClr val="FF0000"/>
+            </a:solidFill>
+          </a:ln>
+        </p:spPr>
+        <p:style>
+          <a:lnRef idx="2">
+            <a:schemeClr val="accent1">
+              <a:shade val="50000"/>
+            </a:schemeClr>
+          </a:lnRef>
+          <a:fillRef idx="1">
+            <a:schemeClr val="accent1"/>
+          </a:fillRef>
+          <a:effectRef idx="0">
+            <a:schemeClr val="accent1"/>
+          </a:effectRef>
+          <a:fontRef idx="minor">
+            <a:schemeClr val="lt1"/>
+          </a:fontRef>
+        </p:style>
+        <p:txBody>
+          <a:bodyPr rtlCol="0" anchor="ctr"/>
+          <a:lstStyle/>
+          <a:p>
+            <a:pPr algn="ctr"/>
+            <a:endParaRPr kumimoji="1" lang="ja-JP" altLang="en-US"/>
+          </a:p>
+        </p:txBody>
+      </p:sp>
+      <p:cxnSp>
+        <p:nvCxnSpPr>
+          <p:cNvPr id="46" name="直線矢印コネクタ 45"/>
+          <p:cNvCxnSpPr>
+            <a:stCxn id="44" idx="4"/>
+          </p:cNvCxnSpPr>
+          <p:nvPr/>
+        </p:nvCxnSpPr>
+        <p:spPr>
+          <a:xfrm flipH="1">
+            <a:off x="10585367" y="3981596"/>
+            <a:ext cx="1" cy="1131576"/>
+          </a:xfrm>
+          <a:prstGeom prst="straightConnector1">
+            <a:avLst/>
+          </a:prstGeom>
+          <a:ln>
+            <a:solidFill>
+              <a:srgbClr val="FF0000"/>
+            </a:solidFill>
+            <a:tailEnd type="triangle"/>
+          </a:ln>
+        </p:spPr>
+        <p:style>
+          <a:lnRef idx="1">
+            <a:schemeClr val="accent1"/>
+          </a:lnRef>
+          <a:fillRef idx="0">
+            <a:schemeClr val="accent1"/>
+          </a:fillRef>
+          <a:effectRef idx="0">
+            <a:schemeClr val="accent1"/>
+          </a:effectRef>
+          <a:fontRef idx="minor">
+            <a:schemeClr val="tx1"/>
+          </a:fontRef>
+        </p:style>
+      </p:cxnSp>
     </p:spTree>
     <p:extLst>
       <p:ext uri="{BB962C8B-B14F-4D97-AF65-F5344CB8AC3E}">

--- a/卒業論文本体/Document/GUIEditorOverview.pptx
+++ b/卒業論文本体/Document/GUIEditorOverview.pptx
@@ -243,7 +243,7 @@
           <a:p>
             <a:fld id="{67FC2109-53CE-4EA3-BC09-51F34501E915}" type="datetimeFigureOut">
               <a:rPr kumimoji="1" lang="ja-JP" altLang="en-US" smtClean="0"/>
-              <a:t>2016/1/21</a:t>
+              <a:t>2016/1/25</a:t>
             </a:fld>
             <a:endParaRPr kumimoji="1" lang="ja-JP" altLang="en-US"/>
           </a:p>
@@ -445,7 +445,7 @@
           <a:p>
             <a:fld id="{67FC2109-53CE-4EA3-BC09-51F34501E915}" type="datetimeFigureOut">
               <a:rPr kumimoji="1" lang="ja-JP" altLang="en-US" smtClean="0"/>
-              <a:t>2016/1/21</a:t>
+              <a:t>2016/1/25</a:t>
             </a:fld>
             <a:endParaRPr kumimoji="1" lang="ja-JP" altLang="en-US"/>
           </a:p>
@@ -657,7 +657,7 @@
           <a:p>
             <a:fld id="{67FC2109-53CE-4EA3-BC09-51F34501E915}" type="datetimeFigureOut">
               <a:rPr kumimoji="1" lang="ja-JP" altLang="en-US" smtClean="0"/>
-              <a:t>2016/1/21</a:t>
+              <a:t>2016/1/25</a:t>
             </a:fld>
             <a:endParaRPr kumimoji="1" lang="ja-JP" altLang="en-US"/>
           </a:p>
@@ -859,7 +859,7 @@
           <a:p>
             <a:fld id="{67FC2109-53CE-4EA3-BC09-51F34501E915}" type="datetimeFigureOut">
               <a:rPr kumimoji="1" lang="ja-JP" altLang="en-US" smtClean="0"/>
-              <a:t>2016/1/21</a:t>
+              <a:t>2016/1/25</a:t>
             </a:fld>
             <a:endParaRPr kumimoji="1" lang="ja-JP" altLang="en-US"/>
           </a:p>
@@ -1105,7 +1105,7 @@
           <a:p>
             <a:fld id="{67FC2109-53CE-4EA3-BC09-51F34501E915}" type="datetimeFigureOut">
               <a:rPr kumimoji="1" lang="ja-JP" altLang="en-US" smtClean="0"/>
-              <a:t>2016/1/21</a:t>
+              <a:t>2016/1/25</a:t>
             </a:fld>
             <a:endParaRPr kumimoji="1" lang="ja-JP" altLang="en-US"/>
           </a:p>
@@ -1401,7 +1401,7 @@
           <a:p>
             <a:fld id="{67FC2109-53CE-4EA3-BC09-51F34501E915}" type="datetimeFigureOut">
               <a:rPr kumimoji="1" lang="ja-JP" altLang="en-US" smtClean="0"/>
-              <a:t>2016/1/21</a:t>
+              <a:t>2016/1/25</a:t>
             </a:fld>
             <a:endParaRPr kumimoji="1" lang="ja-JP" altLang="en-US"/>
           </a:p>
@@ -1832,7 +1832,7 @@
           <a:p>
             <a:fld id="{67FC2109-53CE-4EA3-BC09-51F34501E915}" type="datetimeFigureOut">
               <a:rPr kumimoji="1" lang="ja-JP" altLang="en-US" smtClean="0"/>
-              <a:t>2016/1/21</a:t>
+              <a:t>2016/1/25</a:t>
             </a:fld>
             <a:endParaRPr kumimoji="1" lang="ja-JP" altLang="en-US"/>
           </a:p>
@@ -1950,7 +1950,7 @@
           <a:p>
             <a:fld id="{67FC2109-53CE-4EA3-BC09-51F34501E915}" type="datetimeFigureOut">
               <a:rPr kumimoji="1" lang="ja-JP" altLang="en-US" smtClean="0"/>
-              <a:t>2016/1/21</a:t>
+              <a:t>2016/1/25</a:t>
             </a:fld>
             <a:endParaRPr kumimoji="1" lang="ja-JP" altLang="en-US"/>
           </a:p>
@@ -2045,7 +2045,7 @@
           <a:p>
             <a:fld id="{67FC2109-53CE-4EA3-BC09-51F34501E915}" type="datetimeFigureOut">
               <a:rPr kumimoji="1" lang="ja-JP" altLang="en-US" smtClean="0"/>
-              <a:t>2016/1/21</a:t>
+              <a:t>2016/1/25</a:t>
             </a:fld>
             <a:endParaRPr kumimoji="1" lang="ja-JP" altLang="en-US"/>
           </a:p>
@@ -2354,7 +2354,7 @@
           <a:p>
             <a:fld id="{67FC2109-53CE-4EA3-BC09-51F34501E915}" type="datetimeFigureOut">
               <a:rPr kumimoji="1" lang="ja-JP" altLang="en-US" smtClean="0"/>
-              <a:t>2016/1/21</a:t>
+              <a:t>2016/1/25</a:t>
             </a:fld>
             <a:endParaRPr kumimoji="1" lang="ja-JP" altLang="en-US"/>
           </a:p>
@@ -2607,7 +2607,7 @@
           <a:p>
             <a:fld id="{67FC2109-53CE-4EA3-BC09-51F34501E915}" type="datetimeFigureOut">
               <a:rPr kumimoji="1" lang="ja-JP" altLang="en-US" smtClean="0"/>
-              <a:t>2016/1/21</a:t>
+              <a:t>2016/1/25</a:t>
             </a:fld>
             <a:endParaRPr kumimoji="1" lang="ja-JP" altLang="en-US"/>
           </a:p>
@@ -2852,7 +2852,7 @@
           <a:p>
             <a:fld id="{67FC2109-53CE-4EA3-BC09-51F34501E915}" type="datetimeFigureOut">
               <a:rPr kumimoji="1" lang="ja-JP" altLang="en-US" smtClean="0"/>
-              <a:t>2016/1/21</a:t>
+              <a:t>2016/1/25</a:t>
             </a:fld>
             <a:endParaRPr kumimoji="1" lang="ja-JP" altLang="en-US"/>
           </a:p>
@@ -3279,7 +3279,7 @@
         </p:blipFill>
         <p:spPr>
           <a:xfrm>
-            <a:off x="953980" y="467140"/>
+            <a:off x="1050332" y="1154618"/>
             <a:ext cx="2862277" cy="3615815"/>
           </a:xfrm>
           <a:prstGeom prst="rect">
@@ -3309,7 +3309,7 @@
         </p:blipFill>
         <p:spPr>
           <a:xfrm>
-            <a:off x="8370067" y="467140"/>
+            <a:off x="8370067" y="659351"/>
             <a:ext cx="2742340" cy="3443346"/>
           </a:xfrm>
           <a:prstGeom prst="rect">
@@ -3339,7 +3339,7 @@
         </p:blipFill>
         <p:spPr>
           <a:xfrm>
-            <a:off x="4455909" y="638507"/>
+            <a:off x="4497030" y="1154618"/>
             <a:ext cx="3522597" cy="2605084"/>
           </a:xfrm>
           <a:prstGeom prst="rect">
@@ -3355,8 +3355,8 @@
         </p:nvSpPr>
         <p:spPr>
           <a:xfrm>
-            <a:off x="1242235" y="97808"/>
-            <a:ext cx="2467522" cy="369332"/>
+            <a:off x="953980" y="338669"/>
+            <a:ext cx="3267957" cy="461665"/>
           </a:xfrm>
           <a:prstGeom prst="rect">
             <a:avLst/>
@@ -3370,26 +3370,26 @@
           <a:lstStyle/>
           <a:p>
             <a:r>
-              <a:rPr lang="ja-JP" altLang="en-US" b="1" dirty="0"/>
+              <a:rPr lang="ja-JP" altLang="en-US" sz="2400" b="1" dirty="0"/>
               <a:t>構成確認</a:t>
             </a:r>
             <a:r>
-              <a:rPr lang="ja-JP" altLang="en-US" b="1" dirty="0" smtClean="0"/>
+              <a:rPr lang="ja-JP" altLang="en-US" sz="2400" b="1" dirty="0" smtClean="0"/>
               <a:t>画面</a:t>
             </a:r>
             <a:r>
-              <a:rPr lang="en-US" altLang="ja-JP" b="1" dirty="0" smtClean="0"/>
+              <a:rPr lang="en-US" altLang="ja-JP" sz="2400" b="1" dirty="0" smtClean="0"/>
               <a:t>(</a:t>
             </a:r>
             <a:r>
-              <a:rPr lang="ja-JP" altLang="en-US" b="1" dirty="0" smtClean="0"/>
+              <a:rPr lang="ja-JP" altLang="en-US" sz="2400" b="1" dirty="0" smtClean="0"/>
               <a:t>起動時</a:t>
             </a:r>
             <a:r>
-              <a:rPr lang="en-US" altLang="ja-JP" b="1" dirty="0" smtClean="0"/>
+              <a:rPr lang="en-US" altLang="ja-JP" sz="2400" b="1" dirty="0" smtClean="0"/>
               <a:t>)</a:t>
             </a:r>
-            <a:endParaRPr kumimoji="1" lang="ja-JP" altLang="en-US" b="1" dirty="0"/>
+            <a:endParaRPr kumimoji="1" lang="ja-JP" altLang="en-US" sz="2400" b="1" dirty="0"/>
           </a:p>
         </p:txBody>
       </p:sp>
@@ -3401,8 +3401,8 @@
         </p:nvSpPr>
         <p:spPr>
           <a:xfrm>
-            <a:off x="5405167" y="97808"/>
-            <a:ext cx="1624083" cy="369332"/>
+            <a:off x="5006374" y="277114"/>
+            <a:ext cx="2579427" cy="523220"/>
           </a:xfrm>
           <a:prstGeom prst="rect">
             <a:avLst/>
@@ -3416,10 +3416,10 @@
           <a:lstStyle/>
           <a:p>
             <a:r>
-              <a:rPr kumimoji="1" lang="ja-JP" altLang="en-US" b="1" dirty="0" smtClean="0"/>
+              <a:rPr kumimoji="1" lang="ja-JP" altLang="en-US" sz="2800" b="1" dirty="0" smtClean="0"/>
               <a:t>詳細設定画面</a:t>
             </a:r>
-            <a:endParaRPr kumimoji="1" lang="ja-JP" altLang="en-US" b="1" dirty="0"/>
+            <a:endParaRPr kumimoji="1" lang="ja-JP" altLang="en-US" sz="2800" b="1" dirty="0"/>
           </a:p>
         </p:txBody>
       </p:sp>
@@ -3431,8 +3431,8 @@
         </p:nvSpPr>
         <p:spPr>
           <a:xfrm>
-            <a:off x="8685617" y="97808"/>
-            <a:ext cx="2415654" cy="369332"/>
+            <a:off x="8312600" y="277114"/>
+            <a:ext cx="3298128" cy="461665"/>
           </a:xfrm>
           <a:prstGeom prst="rect">
             <a:avLst/>
@@ -3446,26 +3446,26 @@
           <a:lstStyle/>
           <a:p>
             <a:r>
-              <a:rPr lang="ja-JP" altLang="en-US" b="1" dirty="0"/>
+              <a:rPr lang="ja-JP" altLang="en-US" sz="2400" b="1" dirty="0"/>
               <a:t>構成確認</a:t>
             </a:r>
             <a:r>
-              <a:rPr lang="ja-JP" altLang="en-US" b="1" dirty="0" smtClean="0"/>
+              <a:rPr lang="ja-JP" altLang="en-US" sz="2400" b="1" dirty="0" smtClean="0"/>
               <a:t>画面</a:t>
             </a:r>
             <a:r>
-              <a:rPr lang="en-US" altLang="ja-JP" b="1" dirty="0" smtClean="0"/>
+              <a:rPr lang="en-US" altLang="ja-JP" sz="2400" b="1" dirty="0" smtClean="0"/>
               <a:t>(</a:t>
             </a:r>
             <a:r>
-              <a:rPr lang="ja-JP" altLang="en-US" b="1" dirty="0" smtClean="0"/>
+              <a:rPr lang="ja-JP" altLang="en-US" sz="2400" b="1" dirty="0" smtClean="0"/>
               <a:t>出力時</a:t>
             </a:r>
             <a:r>
-              <a:rPr lang="en-US" altLang="ja-JP" b="1" dirty="0" smtClean="0"/>
+              <a:rPr lang="en-US" altLang="ja-JP" sz="2400" b="1" dirty="0" smtClean="0"/>
               <a:t>)</a:t>
             </a:r>
-            <a:endParaRPr kumimoji="1" lang="ja-JP" altLang="en-US" b="1" dirty="0"/>
+            <a:endParaRPr kumimoji="1" lang="ja-JP" altLang="en-US" sz="2400" b="1" dirty="0"/>
           </a:p>
         </p:txBody>
       </p:sp>
@@ -3477,7 +3477,7 @@
         </p:nvSpPr>
         <p:spPr>
           <a:xfrm>
-            <a:off x="2752265" y="3343298"/>
+            <a:off x="2865904" y="4074815"/>
             <a:ext cx="573206" cy="526245"/>
           </a:xfrm>
           <a:prstGeom prst="ellipse">
@@ -3525,7 +3525,7 @@
         </p:nvCxnSpPr>
         <p:spPr>
           <a:xfrm flipV="1">
-            <a:off x="3241527" y="2390227"/>
+            <a:off x="3355166" y="3121744"/>
             <a:ext cx="1639789" cy="1030138"/>
           </a:xfrm>
           <a:prstGeom prst="straightConnector1">
@@ -3603,8 +3603,8 @@
         </p:nvSpPr>
         <p:spPr>
           <a:xfrm>
-            <a:off x="8247546" y="97807"/>
-            <a:ext cx="2994969" cy="6719250"/>
+            <a:off x="8237603" y="138750"/>
+            <a:ext cx="3173951" cy="6719250"/>
           </a:xfrm>
           <a:prstGeom prst="roundRect">
             <a:avLst/>
@@ -3687,7 +3687,7 @@
         </p:nvSpPr>
         <p:spPr>
           <a:xfrm>
-            <a:off x="6762226" y="2637177"/>
+            <a:off x="6813802" y="3095976"/>
             <a:ext cx="534048" cy="526798"/>
           </a:xfrm>
           <a:prstGeom prst="ellipse">
@@ -3735,7 +3735,7 @@
         </p:nvCxnSpPr>
         <p:spPr>
           <a:xfrm flipV="1">
-            <a:off x="7218064" y="2022648"/>
+            <a:off x="7269640" y="2481447"/>
             <a:ext cx="2085921" cy="691677"/>
           </a:xfrm>
           <a:prstGeom prst="straightConnector1">
@@ -3771,8 +3771,8 @@
         </p:nvSpPr>
         <p:spPr>
           <a:xfrm>
-            <a:off x="1302288" y="4229584"/>
-            <a:ext cx="2347415" cy="369332"/>
+            <a:off x="953980" y="4988340"/>
+            <a:ext cx="3111029" cy="461665"/>
           </a:xfrm>
           <a:prstGeom prst="rect">
             <a:avLst/>
@@ -3786,14 +3786,14 @@
           <a:lstStyle/>
           <a:p>
             <a:r>
-              <a:rPr kumimoji="1" lang="ja-JP" altLang="en-US" b="1" dirty="0" smtClean="0">
+              <a:rPr kumimoji="1" lang="ja-JP" altLang="en-US" sz="2400" b="1" dirty="0" smtClean="0">
                 <a:solidFill>
                   <a:srgbClr val="FF0000"/>
                 </a:solidFill>
               </a:rPr>
               <a:t>仮想環境の構築開始</a:t>
             </a:r>
-            <a:endParaRPr kumimoji="1" lang="ja-JP" altLang="en-US" b="1" dirty="0">
+            <a:endParaRPr kumimoji="1" lang="ja-JP" altLang="en-US" sz="2400" b="1" dirty="0">
               <a:solidFill>
                 <a:srgbClr val="FF0000"/>
               </a:solidFill>
@@ -3809,8 +3809,8 @@
         </p:nvSpPr>
         <p:spPr>
           <a:xfrm>
-            <a:off x="4319494" y="3283514"/>
-            <a:ext cx="2258727" cy="366872"/>
+            <a:off x="4782177" y="3937144"/>
+            <a:ext cx="3587890" cy="461665"/>
           </a:xfrm>
           <a:prstGeom prst="rect">
             <a:avLst/>
@@ -3824,14 +3824,14 @@
           <a:lstStyle/>
           <a:p>
             <a:r>
-              <a:rPr kumimoji="1" lang="ja-JP" altLang="en-US" b="1" dirty="0" smtClean="0">
+              <a:rPr kumimoji="1" lang="ja-JP" altLang="en-US" sz="2400" b="1" dirty="0" smtClean="0">
                 <a:solidFill>
                   <a:srgbClr val="FF0000"/>
                 </a:solidFill>
               </a:rPr>
               <a:t>構築内容詳細を入力</a:t>
             </a:r>
-            <a:endParaRPr kumimoji="1" lang="ja-JP" altLang="en-US" b="1" dirty="0">
+            <a:endParaRPr kumimoji="1" lang="ja-JP" altLang="en-US" sz="2400" b="1" dirty="0">
               <a:solidFill>
                 <a:srgbClr val="FF0000"/>
               </a:solidFill>
@@ -3847,8 +3847,8 @@
         </p:nvSpPr>
         <p:spPr>
           <a:xfrm>
-            <a:off x="8247546" y="3917011"/>
-            <a:ext cx="2347415" cy="646331"/>
+            <a:off x="8247692" y="3995644"/>
+            <a:ext cx="2656869" cy="830997"/>
           </a:xfrm>
           <a:prstGeom prst="rect">
             <a:avLst/>
@@ -3863,7 +3863,7 @@
           <a:p>
             <a:pPr algn="ctr"/>
             <a:r>
-              <a:rPr lang="ja-JP" altLang="en-US" b="1" dirty="0" smtClean="0">
+              <a:rPr lang="ja-JP" altLang="en-US" sz="2400" b="1" dirty="0" smtClean="0">
                 <a:solidFill>
                   <a:srgbClr val="FF0000"/>
                 </a:solidFill>
@@ -3871,7 +3871,7 @@
               <a:t>構築内容を</a:t>
             </a:r>
             <a:r>
-              <a:rPr lang="en-US" altLang="ja-JP" b="1" dirty="0" smtClean="0">
+              <a:rPr lang="en-US" altLang="ja-JP" sz="2400" b="1" dirty="0" smtClean="0">
                 <a:solidFill>
                   <a:srgbClr val="FF0000"/>
                 </a:solidFill>
@@ -3879,14 +3879,14 @@
               <a:t>GUI</a:t>
             </a:r>
             <a:r>
-              <a:rPr lang="ja-JP" altLang="en-US" b="1" dirty="0" smtClean="0">
+              <a:rPr lang="ja-JP" altLang="en-US" sz="2400" b="1" dirty="0" smtClean="0">
                 <a:solidFill>
                   <a:srgbClr val="FF0000"/>
                 </a:solidFill>
               </a:rPr>
               <a:t>で</a:t>
             </a:r>
-            <a:endParaRPr lang="en-US" altLang="ja-JP" b="1" dirty="0" smtClean="0">
+            <a:endParaRPr lang="en-US" altLang="ja-JP" sz="2400" b="1" dirty="0" smtClean="0">
               <a:solidFill>
                 <a:srgbClr val="FF0000"/>
               </a:solidFill>
@@ -3895,14 +3895,14 @@
           <a:p>
             <a:pPr algn="ctr"/>
             <a:r>
-              <a:rPr lang="ja-JP" altLang="en-US" b="1" dirty="0" smtClean="0">
+              <a:rPr lang="ja-JP" altLang="en-US" sz="2400" b="1" dirty="0" smtClean="0">
                 <a:solidFill>
                   <a:srgbClr val="FF0000"/>
                 </a:solidFill>
               </a:rPr>
               <a:t>確認後、出力</a:t>
             </a:r>
-            <a:endParaRPr kumimoji="1" lang="ja-JP" altLang="en-US" b="1" dirty="0">
+            <a:endParaRPr kumimoji="1" lang="ja-JP" altLang="en-US" sz="2400" b="1" dirty="0">
               <a:solidFill>
                 <a:srgbClr val="FF0000"/>
               </a:solidFill>
@@ -3912,24 +3912,24 @@
       </p:sp>
       <p:sp>
         <p:nvSpPr>
-          <p:cNvPr id="27" name="下矢印 26"/>
+          <p:cNvPr id="28" name="フローチャート: カード 27"/>
           <p:cNvSpPr/>
           <p:nvPr/>
         </p:nvSpPr>
         <p:spPr>
-          <a:xfrm rot="2962454">
-            <a:off x="6280292" y="3153708"/>
-            <a:ext cx="205469" cy="1526607"/>
-          </a:xfrm>
-          <a:prstGeom prst="downArrow">
+          <a:xfrm>
+            <a:off x="5991288" y="4612793"/>
+            <a:ext cx="1763696" cy="937057"/>
+          </a:xfrm>
+          <a:prstGeom prst="flowChartPunchedCard">
             <a:avLst/>
           </a:prstGeom>
           <a:solidFill>
-            <a:schemeClr val="accent2"/>
+            <a:schemeClr val="bg1"/>
           </a:solidFill>
           <a:ln>
             <a:solidFill>
-              <a:schemeClr val="accent2"/>
+              <a:schemeClr val="tx1"/>
             </a:solidFill>
           </a:ln>
         </p:spPr>
@@ -3954,19 +3954,39 @@
           <a:lstStyle/>
           <a:p>
             <a:pPr algn="ctr"/>
-            <a:endParaRPr kumimoji="1" lang="ja-JP" altLang="en-US"/>
-          </a:p>
-        </p:txBody>
-      </p:sp>
-      <p:sp>
-        <p:nvSpPr>
-          <p:cNvPr id="28" name="フローチャート: カード 27"/>
+            <a:r>
+              <a:rPr lang="ja-JP" altLang="en-US" dirty="0" smtClean="0">
+                <a:solidFill>
+                  <a:sysClr val="windowText" lastClr="000000"/>
+                </a:solidFill>
+              </a:rPr>
+              <a:t>データ保管用</a:t>
+            </a:r>
+            <a:r>
+              <a:rPr lang="en-US" altLang="ja-JP" dirty="0" smtClean="0">
+                <a:solidFill>
+                  <a:sysClr val="windowText" lastClr="000000"/>
+                </a:solidFill>
+              </a:rPr>
+              <a:t>class</a:t>
+            </a:r>
+            <a:endParaRPr kumimoji="1" lang="ja-JP" altLang="en-US" dirty="0">
+              <a:solidFill>
+                <a:sysClr val="windowText" lastClr="000000"/>
+              </a:solidFill>
+            </a:endParaRPr>
+          </a:p>
+        </p:txBody>
+      </p:sp>
+      <p:sp>
+        <p:nvSpPr>
+          <p:cNvPr id="29" name="フローチャート: カード 28"/>
           <p:cNvSpPr/>
           <p:nvPr/>
         </p:nvSpPr>
         <p:spPr>
           <a:xfrm>
-            <a:off x="5991288" y="4612793"/>
+            <a:off x="6143688" y="4765193"/>
             <a:ext cx="1763696" cy="937057"/>
           </a:xfrm>
           <a:prstGeom prst="flowChartPunchedCard">
@@ -4028,13 +4048,13 @@
       </p:sp>
       <p:sp>
         <p:nvSpPr>
-          <p:cNvPr id="29" name="フローチャート: カード 28"/>
+          <p:cNvPr id="30" name="フローチャート: カード 29"/>
           <p:cNvSpPr/>
           <p:nvPr/>
         </p:nvSpPr>
         <p:spPr>
           <a:xfrm>
-            <a:off x="6143688" y="4765193"/>
+            <a:off x="6296088" y="4917593"/>
             <a:ext cx="1763696" cy="937057"/>
           </a:xfrm>
           <a:prstGeom prst="flowChartPunchedCard">
@@ -4096,24 +4116,22 @@
       </p:sp>
       <p:sp>
         <p:nvSpPr>
-          <p:cNvPr id="30" name="フローチャート: カード 29"/>
+          <p:cNvPr id="31" name="円/楕円 30"/>
           <p:cNvSpPr/>
           <p:nvPr/>
         </p:nvSpPr>
         <p:spPr>
           <a:xfrm>
-            <a:off x="6296088" y="4917593"/>
-            <a:ext cx="1763696" cy="937057"/>
-          </a:xfrm>
-          <a:prstGeom prst="flowChartPunchedCard">
+            <a:off x="4339273" y="4598916"/>
+            <a:ext cx="1397530" cy="1241857"/>
+          </a:xfrm>
+          <a:prstGeom prst="ellipse">
             <a:avLst/>
           </a:prstGeom>
-          <a:solidFill>
-            <a:schemeClr val="bg1"/>
-          </a:solidFill>
+          <a:noFill/>
           <a:ln>
             <a:solidFill>
-              <a:schemeClr val="tx1"/>
+              <a:srgbClr val="00B0F0"/>
             </a:solidFill>
           </a:ln>
         </p:spPr>
@@ -4139,47 +4157,141 @@
           <a:p>
             <a:pPr algn="ctr"/>
             <a:r>
-              <a:rPr lang="ja-JP" altLang="en-US" dirty="0" smtClean="0">
+              <a:rPr kumimoji="1" lang="ja-JP" altLang="en-US" sz="1200" dirty="0" smtClean="0">
                 <a:solidFill>
-                  <a:sysClr val="windowText" lastClr="000000"/>
+                  <a:schemeClr val="tx1"/>
                 </a:solidFill>
               </a:rPr>
-              <a:t>データ保管用</a:t>
-            </a:r>
-            <a:r>
-              <a:rPr lang="en-US" altLang="ja-JP" dirty="0" smtClean="0">
-                <a:solidFill>
-                  <a:sysClr val="windowText" lastClr="000000"/>
-                </a:solidFill>
-              </a:rPr>
-              <a:t>class</a:t>
-            </a:r>
-            <a:endParaRPr kumimoji="1" lang="ja-JP" altLang="en-US" dirty="0">
+              <a:t>入力されたデータ</a:t>
+            </a:r>
+            <a:endParaRPr kumimoji="1" lang="ja-JP" altLang="en-US" sz="1200" dirty="0">
               <a:solidFill>
-                <a:sysClr val="windowText" lastClr="000000"/>
+                <a:schemeClr val="tx1"/>
               </a:solidFill>
             </a:endParaRPr>
           </a:p>
         </p:txBody>
       </p:sp>
-      <p:sp>
-        <p:nvSpPr>
-          <p:cNvPr id="31" name="円/楕円 30"/>
-          <p:cNvSpPr/>
+      <p:cxnSp>
+        <p:nvCxnSpPr>
+          <p:cNvPr id="37" name="直線矢印コネクタ 36"/>
+          <p:cNvCxnSpPr/>
           <p:nvPr/>
-        </p:nvSpPr>
+        </p:nvCxnSpPr>
         <p:spPr>
           <a:xfrm>
-            <a:off x="4339273" y="4598916"/>
-            <a:ext cx="1397530" cy="1241857"/>
-          </a:xfrm>
-          <a:prstGeom prst="ellipse">
+            <a:off x="5448857" y="5219844"/>
+            <a:ext cx="1129364" cy="0"/>
+          </a:xfrm>
+          <a:prstGeom prst="straightConnector1">
+            <a:avLst/>
+          </a:prstGeom>
+          <a:ln>
+            <a:tailEnd type="triangle"/>
+          </a:ln>
+        </p:spPr>
+        <p:style>
+          <a:lnRef idx="1">
+            <a:schemeClr val="accent1"/>
+          </a:lnRef>
+          <a:fillRef idx="0">
+            <a:schemeClr val="accent1"/>
+          </a:fillRef>
+          <a:effectRef idx="0">
+            <a:schemeClr val="accent1"/>
+          </a:effectRef>
+          <a:fontRef idx="minor">
+            <a:schemeClr val="tx1"/>
+          </a:fontRef>
+        </p:style>
+      </p:cxnSp>
+      <p:sp>
+        <p:nvSpPr>
+          <p:cNvPr id="38" name="テキスト ボックス 37"/>
+          <p:cNvSpPr txBox="1"/>
+          <p:nvPr/>
+        </p:nvSpPr>
+        <p:spPr>
+          <a:xfrm>
+            <a:off x="5407022" y="6013586"/>
+            <a:ext cx="1620369" cy="369332"/>
+          </a:xfrm>
+          <a:prstGeom prst="rect">
             <a:avLst/>
           </a:prstGeom>
           <a:noFill/>
+        </p:spPr>
+        <p:txBody>
+          <a:bodyPr wrap="square" rtlCol="0">
+            <a:spAutoFit/>
+          </a:bodyPr>
+          <a:lstStyle/>
+          <a:p>
+            <a:r>
+              <a:rPr kumimoji="1" lang="en-US" altLang="ja-JP" dirty="0" smtClean="0"/>
+              <a:t>Class</a:t>
+            </a:r>
+            <a:r>
+              <a:rPr kumimoji="1" lang="ja-JP" altLang="en-US" dirty="0" smtClean="0"/>
+              <a:t>へ保管</a:t>
+            </a:r>
+            <a:endParaRPr kumimoji="1" lang="ja-JP" altLang="en-US" dirty="0"/>
+          </a:p>
+        </p:txBody>
+      </p:sp>
+      <p:cxnSp>
+        <p:nvCxnSpPr>
+          <p:cNvPr id="40" name="直線矢印コネクタ 39"/>
+          <p:cNvCxnSpPr/>
+          <p:nvPr/>
+        </p:nvCxnSpPr>
+        <p:spPr>
+          <a:xfrm flipV="1">
+            <a:off x="7978506" y="5233721"/>
+            <a:ext cx="1261028" cy="6400"/>
+          </a:xfrm>
+          <a:prstGeom prst="straightConnector1">
+            <a:avLst/>
+          </a:prstGeom>
+          <a:ln>
+            <a:tailEnd type="triangle"/>
+          </a:ln>
+        </p:spPr>
+        <p:style>
+          <a:lnRef idx="1">
+            <a:schemeClr val="accent1"/>
+          </a:lnRef>
+          <a:fillRef idx="0">
+            <a:schemeClr val="accent1"/>
+          </a:fillRef>
+          <a:effectRef idx="0">
+            <a:schemeClr val="accent1"/>
+          </a:effectRef>
+          <a:fontRef idx="minor">
+            <a:schemeClr val="tx1"/>
+          </a:fontRef>
+        </p:style>
+      </p:cxnSp>
+      <p:sp>
+        <p:nvSpPr>
+          <p:cNvPr id="42" name="フローチャート: カード 41"/>
+          <p:cNvSpPr/>
+          <p:nvPr/>
+        </p:nvSpPr>
+        <p:spPr>
+          <a:xfrm>
+            <a:off x="9372155" y="4826641"/>
+            <a:ext cx="1705966" cy="1767936"/>
+          </a:xfrm>
+          <a:prstGeom prst="flowChartPunchedCard">
+            <a:avLst/>
+          </a:prstGeom>
+          <a:solidFill>
+            <a:schemeClr val="bg1"/>
+          </a:solidFill>
           <a:ln>
             <a:solidFill>
-              <a:srgbClr val="00B0F0"/>
+              <a:schemeClr val="tx1"/>
             </a:solidFill>
           </a:ln>
         </p:spPr>
@@ -4205,64 +4317,31 @@
           <a:p>
             <a:pPr algn="ctr"/>
             <a:r>
-              <a:rPr kumimoji="1" lang="ja-JP" altLang="en-US" sz="1200" dirty="0" smtClean="0">
+              <a:rPr kumimoji="1" lang="ja-JP" altLang="en-US" sz="1400" dirty="0" smtClean="0">
                 <a:solidFill>
-                  <a:schemeClr val="tx1"/>
+                  <a:sysClr val="windowText" lastClr="000000"/>
                 </a:solidFill>
               </a:rPr>
-              <a:t>入力されたデータ</a:t>
-            </a:r>
-            <a:endParaRPr kumimoji="1" lang="ja-JP" altLang="en-US" sz="1200" dirty="0">
+              <a:t>テンプレートファイル</a:t>
+            </a:r>
+            <a:endParaRPr kumimoji="1" lang="ja-JP" altLang="en-US" sz="1400" dirty="0">
               <a:solidFill>
-                <a:schemeClr val="tx1"/>
+                <a:sysClr val="windowText" lastClr="000000"/>
               </a:solidFill>
             </a:endParaRPr>
           </a:p>
         </p:txBody>
       </p:sp>
-      <p:cxnSp>
-        <p:nvCxnSpPr>
-          <p:cNvPr id="37" name="直線矢印コネクタ 36"/>
-          <p:cNvCxnSpPr/>
-          <p:nvPr/>
-        </p:nvCxnSpPr>
-        <p:spPr>
-          <a:xfrm>
-            <a:off x="5448857" y="5219844"/>
-            <a:ext cx="1129364" cy="0"/>
-          </a:xfrm>
-          <a:prstGeom prst="straightConnector1">
-            <a:avLst/>
-          </a:prstGeom>
-          <a:ln>
-            <a:tailEnd type="triangle"/>
-          </a:ln>
-        </p:spPr>
-        <p:style>
-          <a:lnRef idx="1">
-            <a:schemeClr val="accent1"/>
-          </a:lnRef>
-          <a:fillRef idx="0">
-            <a:schemeClr val="accent1"/>
-          </a:fillRef>
-          <a:effectRef idx="0">
-            <a:schemeClr val="accent1"/>
-          </a:effectRef>
-          <a:fontRef idx="minor">
-            <a:schemeClr val="tx1"/>
-          </a:fontRef>
-        </p:style>
-      </p:cxnSp>
-      <p:sp>
-        <p:nvSpPr>
-          <p:cNvPr id="38" name="テキスト ボックス 37"/>
+      <p:sp>
+        <p:nvSpPr>
+          <p:cNvPr id="43" name="テキスト ボックス 42"/>
           <p:cNvSpPr txBox="1"/>
           <p:nvPr/>
         </p:nvSpPr>
         <p:spPr>
           <a:xfrm>
-            <a:off x="5407022" y="6013586"/>
-            <a:ext cx="1620369" cy="369332"/>
+            <a:off x="8434518" y="5304363"/>
+            <a:ext cx="869467" cy="369332"/>
           </a:xfrm>
           <a:prstGeom prst="rect">
             <a:avLst/>
@@ -4276,70 +4355,31 @@
           <a:lstStyle/>
           <a:p>
             <a:r>
-              <a:rPr kumimoji="1" lang="en-US" altLang="ja-JP" dirty="0" smtClean="0"/>
-              <a:t>Class</a:t>
-            </a:r>
-            <a:r>
               <a:rPr kumimoji="1" lang="ja-JP" altLang="en-US" dirty="0" smtClean="0"/>
-              <a:t>へ保管</a:t>
+              <a:t>出力</a:t>
             </a:r>
             <a:endParaRPr kumimoji="1" lang="ja-JP" altLang="en-US" dirty="0"/>
           </a:p>
         </p:txBody>
       </p:sp>
-      <p:cxnSp>
-        <p:nvCxnSpPr>
-          <p:cNvPr id="40" name="直線矢印コネクタ 39"/>
-          <p:cNvCxnSpPr/>
+      <p:sp>
+        <p:nvSpPr>
+          <p:cNvPr id="44" name="円/楕円 43"/>
+          <p:cNvSpPr/>
           <p:nvPr/>
-        </p:nvCxnSpPr>
-        <p:spPr>
-          <a:xfrm flipV="1">
-            <a:off x="7978506" y="5233721"/>
-            <a:ext cx="1261028" cy="6400"/>
-          </a:xfrm>
-          <a:prstGeom prst="straightConnector1">
+        </p:nvSpPr>
+        <p:spPr>
+          <a:xfrm>
+            <a:off x="10287547" y="3426114"/>
+            <a:ext cx="980925" cy="526798"/>
+          </a:xfrm>
+          <a:prstGeom prst="ellipse">
             <a:avLst/>
           </a:prstGeom>
-          <a:ln>
-            <a:tailEnd type="triangle"/>
-          </a:ln>
-        </p:spPr>
-        <p:style>
-          <a:lnRef idx="1">
-            <a:schemeClr val="accent1"/>
-          </a:lnRef>
-          <a:fillRef idx="0">
-            <a:schemeClr val="accent1"/>
-          </a:fillRef>
-          <a:effectRef idx="0">
-            <a:schemeClr val="accent1"/>
-          </a:effectRef>
-          <a:fontRef idx="minor">
-            <a:schemeClr val="tx1"/>
-          </a:fontRef>
-        </p:style>
-      </p:cxnSp>
-      <p:sp>
-        <p:nvSpPr>
-          <p:cNvPr id="42" name="フローチャート: カード 41"/>
-          <p:cNvSpPr/>
-          <p:nvPr/>
-        </p:nvSpPr>
-        <p:spPr>
-          <a:xfrm>
-            <a:off x="9372155" y="4477823"/>
-            <a:ext cx="1763696" cy="1905095"/>
-          </a:xfrm>
-          <a:prstGeom prst="flowChartPunchedCard">
-            <a:avLst/>
-          </a:prstGeom>
-          <a:solidFill>
-            <a:schemeClr val="bg1"/>
-          </a:solidFill>
+          <a:noFill/>
           <a:ln>
             <a:solidFill>
-              <a:schemeClr val="tx1"/>
+              <a:srgbClr val="FF0000"/>
             </a:solidFill>
           </a:ln>
         </p:spPr>
@@ -4364,94 +4404,6 @@
           <a:lstStyle/>
           <a:p>
             <a:pPr algn="ctr"/>
-            <a:r>
-              <a:rPr kumimoji="1" lang="ja-JP" altLang="en-US" sz="1400" dirty="0" smtClean="0">
-                <a:solidFill>
-                  <a:sysClr val="windowText" lastClr="000000"/>
-                </a:solidFill>
-              </a:rPr>
-              <a:t>テンプレートファイル</a:t>
-            </a:r>
-            <a:endParaRPr kumimoji="1" lang="ja-JP" altLang="en-US" sz="1400" dirty="0">
-              <a:solidFill>
-                <a:sysClr val="windowText" lastClr="000000"/>
-              </a:solidFill>
-            </a:endParaRPr>
-          </a:p>
-        </p:txBody>
-      </p:sp>
-      <p:sp>
-        <p:nvSpPr>
-          <p:cNvPr id="43" name="テキスト ボックス 42"/>
-          <p:cNvSpPr txBox="1"/>
-          <p:nvPr/>
-        </p:nvSpPr>
-        <p:spPr>
-          <a:xfrm>
-            <a:off x="8434518" y="5304363"/>
-            <a:ext cx="869467" cy="369332"/>
-          </a:xfrm>
-          <a:prstGeom prst="rect">
-            <a:avLst/>
-          </a:prstGeom>
-          <a:noFill/>
-        </p:spPr>
-        <p:txBody>
-          <a:bodyPr wrap="square" rtlCol="0">
-            <a:spAutoFit/>
-          </a:bodyPr>
-          <a:lstStyle/>
-          <a:p>
-            <a:r>
-              <a:rPr kumimoji="1" lang="ja-JP" altLang="en-US" dirty="0" smtClean="0"/>
-              <a:t>出力</a:t>
-            </a:r>
-            <a:endParaRPr kumimoji="1" lang="ja-JP" altLang="en-US" dirty="0"/>
-          </a:p>
-        </p:txBody>
-      </p:sp>
-      <p:sp>
-        <p:nvSpPr>
-          <p:cNvPr id="44" name="円/楕円 43"/>
-          <p:cNvSpPr/>
-          <p:nvPr/>
-        </p:nvSpPr>
-        <p:spPr>
-          <a:xfrm>
-            <a:off x="10094905" y="3454798"/>
-            <a:ext cx="980925" cy="526798"/>
-          </a:xfrm>
-          <a:prstGeom prst="ellipse">
-            <a:avLst/>
-          </a:prstGeom>
-          <a:noFill/>
-          <a:ln>
-            <a:solidFill>
-              <a:srgbClr val="FF0000"/>
-            </a:solidFill>
-          </a:ln>
-        </p:spPr>
-        <p:style>
-          <a:lnRef idx="2">
-            <a:schemeClr val="accent1">
-              <a:shade val="50000"/>
-            </a:schemeClr>
-          </a:lnRef>
-          <a:fillRef idx="1">
-            <a:schemeClr val="accent1"/>
-          </a:fillRef>
-          <a:effectRef idx="0">
-            <a:schemeClr val="accent1"/>
-          </a:effectRef>
-          <a:fontRef idx="minor">
-            <a:schemeClr val="lt1"/>
-          </a:fontRef>
-        </p:style>
-        <p:txBody>
-          <a:bodyPr rtlCol="0" anchor="ctr"/>
-          <a:lstStyle/>
-          <a:p>
-            <a:pPr algn="ctr"/>
             <a:endParaRPr kumimoji="1" lang="ja-JP" altLang="en-US"/>
           </a:p>
         </p:txBody>
@@ -4466,7 +4418,7 @@
         </p:nvCxnSpPr>
         <p:spPr>
           <a:xfrm flipH="1">
-            <a:off x="10585367" y="3981596"/>
+            <a:off x="10778009" y="3952912"/>
             <a:ext cx="1" cy="1131576"/>
           </a:xfrm>
           <a:prstGeom prst="straightConnector1">
